--- a/Lecture/Data Transformation 1/Data_Transformation_1_Lecture.pptx
+++ b/Lecture/Data Transformation 1/Data_Transformation_1_Lecture.pptx
@@ -299,7 +299,7 @@
               <a:pPr>
                 <a:defRPr/>
               </a:pPr>
-              <a:t>1/17/2019</a:t>
+              <a:t>8/29/2019</a:t>
             </a:fld>
             <a:endParaRPr lang="en-US" dirty="0"/>
           </a:p>
@@ -511,7 +511,7 @@
               <a:pPr>
                 <a:defRPr/>
               </a:pPr>
-              <a:t>1/17/2019</a:t>
+              <a:t>8/29/2019</a:t>
             </a:fld>
             <a:endParaRPr lang="en-US" dirty="0"/>
           </a:p>
@@ -1030,7 +1030,7 @@
               <a:pPr>
                 <a:defRPr/>
               </a:pPr>
-              <a:t>1/17/2019</a:t>
+              <a:t>8/29/2019</a:t>
             </a:fld>
             <a:endParaRPr lang="en-US" dirty="0"/>
           </a:p>
@@ -1220,7 +1220,7 @@
               <a:pPr>
                 <a:defRPr/>
               </a:pPr>
-              <a:t>1/17/2019</a:t>
+              <a:t>8/29/2019</a:t>
             </a:fld>
             <a:endParaRPr lang="en-US" dirty="0"/>
           </a:p>
@@ -1420,7 +1420,7 @@
               <a:pPr>
                 <a:defRPr/>
               </a:pPr>
-              <a:t>1/17/2019</a:t>
+              <a:t>8/29/2019</a:t>
             </a:fld>
             <a:endParaRPr lang="en-US" dirty="0"/>
           </a:p>
@@ -1688,7 +1688,7 @@
               <a:pPr>
                 <a:defRPr/>
               </a:pPr>
-              <a:t>1/17/2019</a:t>
+              <a:t>8/29/2019</a:t>
             </a:fld>
             <a:endParaRPr lang="en-US" dirty="0">
               <a:solidFill>
@@ -1902,7 +1902,7 @@
               <a:pPr>
                 <a:defRPr/>
               </a:pPr>
-              <a:t>1/17/2019</a:t>
+              <a:t>8/29/2019</a:t>
             </a:fld>
             <a:endParaRPr lang="en-US" dirty="0">
               <a:solidFill>
@@ -2193,7 +2193,7 @@
               <a:pPr>
                 <a:defRPr/>
               </a:pPr>
-              <a:t>1/17/2019</a:t>
+              <a:t>8/29/2019</a:t>
             </a:fld>
             <a:endParaRPr lang="en-US" dirty="0">
               <a:solidFill>
@@ -2524,7 +2524,7 @@
               <a:pPr>
                 <a:defRPr/>
               </a:pPr>
-              <a:t>1/17/2019</a:t>
+              <a:t>8/29/2019</a:t>
             </a:fld>
             <a:endParaRPr lang="en-US" dirty="0">
               <a:solidFill>
@@ -2989,7 +2989,7 @@
               <a:pPr>
                 <a:defRPr/>
               </a:pPr>
-              <a:t>1/17/2019</a:t>
+              <a:t>8/29/2019</a:t>
             </a:fld>
             <a:endParaRPr lang="en-US" dirty="0">
               <a:solidFill>
@@ -3152,7 +3152,7 @@
               <a:pPr>
                 <a:defRPr/>
               </a:pPr>
-              <a:t>1/17/2019</a:t>
+              <a:t>8/29/2019</a:t>
             </a:fld>
             <a:endParaRPr lang="en-US" dirty="0">
               <a:solidFill>
@@ -3293,7 +3293,7 @@
               <a:pPr>
                 <a:defRPr/>
               </a:pPr>
-              <a:t>1/17/2019</a:t>
+              <a:t>8/29/2019</a:t>
             </a:fld>
             <a:endParaRPr lang="en-US" dirty="0">
               <a:solidFill>
@@ -3614,7 +3614,7 @@
               <a:pPr>
                 <a:defRPr/>
               </a:pPr>
-              <a:t>1/17/2019</a:t>
+              <a:t>8/29/2019</a:t>
             </a:fld>
             <a:endParaRPr lang="en-US" dirty="0">
               <a:solidFill>
@@ -3822,7 +3822,7 @@
               <a:pPr>
                 <a:defRPr/>
               </a:pPr>
-              <a:t>1/17/2019</a:t>
+              <a:t>8/29/2019</a:t>
             </a:fld>
             <a:endParaRPr lang="en-US" dirty="0"/>
           </a:p>
@@ -4105,7 +4105,7 @@
               <a:pPr>
                 <a:defRPr/>
               </a:pPr>
-              <a:t>1/17/2019</a:t>
+              <a:t>8/29/2019</a:t>
             </a:fld>
             <a:endParaRPr lang="en-US" dirty="0">
               <a:solidFill>
@@ -4319,7 +4319,7 @@
               <a:pPr>
                 <a:defRPr/>
               </a:pPr>
-              <a:t>1/17/2019</a:t>
+              <a:t>8/29/2019</a:t>
             </a:fld>
             <a:endParaRPr lang="en-US" dirty="0">
               <a:solidFill>
@@ -4543,7 +4543,7 @@
               <a:pPr>
                 <a:defRPr/>
               </a:pPr>
-              <a:t>1/17/2019</a:t>
+              <a:t>8/29/2019</a:t>
             </a:fld>
             <a:endParaRPr lang="en-US" dirty="0">
               <a:solidFill>
@@ -4753,7 +4753,7 @@
               <a:pPr>
                 <a:defRPr/>
               </a:pPr>
-              <a:t>1/17/2019</a:t>
+              <a:t>8/29/2019</a:t>
             </a:fld>
             <a:endParaRPr lang="en-US" dirty="0">
               <a:solidFill>
@@ -5030,7 +5030,7 @@
               <a:pPr>
                 <a:defRPr/>
               </a:pPr>
-              <a:t>1/17/2019</a:t>
+              <a:t>8/29/2019</a:t>
             </a:fld>
             <a:endParaRPr lang="en-US" dirty="0"/>
           </a:p>
@@ -5337,7 +5337,7 @@
               <a:pPr>
                 <a:defRPr/>
               </a:pPr>
-              <a:t>1/17/2019</a:t>
+              <a:t>8/29/2019</a:t>
             </a:fld>
             <a:endParaRPr lang="en-US" dirty="0"/>
           </a:p>
@@ -5778,7 +5778,7 @@
               <a:pPr>
                 <a:defRPr/>
               </a:pPr>
-              <a:t>1/17/2019</a:t>
+              <a:t>8/29/2019</a:t>
             </a:fld>
             <a:endParaRPr lang="en-US" dirty="0"/>
           </a:p>
@@ -5917,7 +5917,7 @@
               <a:pPr>
                 <a:defRPr/>
               </a:pPr>
-              <a:t>1/17/2019</a:t>
+              <a:t>8/29/2019</a:t>
             </a:fld>
             <a:endParaRPr lang="en-US" dirty="0"/>
           </a:p>
@@ -6034,7 +6034,7 @@
               <a:pPr>
                 <a:defRPr/>
               </a:pPr>
-              <a:t>1/17/2019</a:t>
+              <a:t>8/29/2019</a:t>
             </a:fld>
             <a:endParaRPr lang="en-US" dirty="0"/>
           </a:p>
@@ -6331,7 +6331,7 @@
               <a:pPr>
                 <a:defRPr/>
               </a:pPr>
-              <a:t>1/17/2019</a:t>
+              <a:t>8/29/2019</a:t>
             </a:fld>
             <a:endParaRPr lang="en-US" dirty="0"/>
           </a:p>
@@ -6608,7 +6608,7 @@
               <a:pPr>
                 <a:defRPr/>
               </a:pPr>
-              <a:t>1/17/2019</a:t>
+              <a:t>8/29/2019</a:t>
             </a:fld>
             <a:endParaRPr lang="en-US" dirty="0"/>
           </a:p>
@@ -6865,7 +6865,7 @@
               <a:pPr>
                 <a:defRPr/>
               </a:pPr>
-              <a:t>1/17/2019</a:t>
+              <a:t>8/29/2019</a:t>
             </a:fld>
             <a:endParaRPr lang="en-US" dirty="0"/>
           </a:p>
@@ -7575,7 +7575,7 @@
               <a:pPr>
                 <a:defRPr/>
               </a:pPr>
-              <a:t>1/17/2019</a:t>
+              <a:t>8/29/2019</a:t>
             </a:fld>
             <a:endParaRPr lang="en-US" dirty="0">
               <a:solidFill>
@@ -9323,7 +9323,7 @@
                   <a:srgbClr val="404040"/>
                 </a:solidFill>
               </a:rPr>
-              <a:t>All Flights from 9/13/2018 Out of LaGuardia Airport</a:t>
+              <a:t>All Flights from 9/13/2013 Out of LaGuardia Airport</a:t>
             </a:r>
           </a:p>
           <a:p>
